--- a/Fellowship Conference 2022/Poster_RS 07.29.pptx
+++ b/Fellowship Conference 2022/Poster_RS 07.29.pptx
@@ -3736,7 +3736,7 @@
               <a:t>the effects of </a:t>
             </a:r>
             <a:r>
-              <a:rPr lang="en-US" sz="3600" b="1" i="1" dirty="0">
+              <a:rPr lang="en-US" sz="3600" b="1" dirty="0">
                 <a:solidFill>
                   <a:srgbClr val="4D7000"/>
                 </a:solidFill>
@@ -3745,10 +3745,10 @@
                 <a:ea typeface="Calibri" panose="020F0502020204030204" pitchFamily="34" charset="0"/>
                 <a:cs typeface="Times New Roman" panose="02020603050405020304" pitchFamily="18" charset="0"/>
               </a:rPr>
-              <a:t>directing the listener’s attention to one talker</a:t>
-            </a:r>
-            <a:r>
-              <a:rPr lang="en-US" sz="3600" i="1" dirty="0">
+              <a:t>directing the listener’s attention to </a:t>
+            </a:r>
+            <a:r>
+              <a:rPr lang="en-US" sz="3600" b="1" i="1" dirty="0">
                 <a:solidFill>
                   <a:srgbClr val="4D7000"/>
                 </a:solidFill>
@@ -3757,6 +3757,18 @@
                 <a:ea typeface="Calibri" panose="020F0502020204030204" pitchFamily="34" charset="0"/>
                 <a:cs typeface="Times New Roman" panose="02020603050405020304" pitchFamily="18" charset="0"/>
               </a:rPr>
+              <a:t>one talker</a:t>
+            </a:r>
+            <a:r>
+              <a:rPr lang="en-US" sz="3600" i="1" dirty="0">
+                <a:solidFill>
+                  <a:srgbClr val="4D7000"/>
+                </a:solidFill>
+                <a:effectLst/>
+                <a:latin typeface="Amasis MT Pro" panose="02040504050005020304" pitchFamily="18" charset="0"/>
+                <a:ea typeface="Calibri" panose="020F0502020204030204" pitchFamily="34" charset="0"/>
+                <a:cs typeface="Times New Roman" panose="02020603050405020304" pitchFamily="18" charset="0"/>
+              </a:rPr>
               <a:t> </a:t>
             </a:r>
             <a:r>
@@ -3769,7 +3781,7 @@
               <a:t>on the listener’s </a:t>
             </a:r>
             <a:r>
-              <a:rPr lang="en-US" sz="3600" b="1" i="1" dirty="0">
+              <a:rPr lang="en-US" sz="3600" b="1" dirty="0">
                 <a:solidFill>
                   <a:srgbClr val="4D7000"/>
                 </a:solidFill>
@@ -3778,7 +3790,31 @@
                 <a:ea typeface="Calibri" panose="020F0502020204030204" pitchFamily="34" charset="0"/>
                 <a:cs typeface="Times New Roman" panose="02020603050405020304" pitchFamily="18" charset="0"/>
               </a:rPr>
-              <a:t>ability to adapt to both talkers.</a:t>
+              <a:t>ability to adapt to </a:t>
+            </a:r>
+            <a:r>
+              <a:rPr lang="en-US" sz="3600" b="1" i="1" dirty="0">
+                <a:solidFill>
+                  <a:srgbClr val="4D7000"/>
+                </a:solidFill>
+                <a:effectLst/>
+                <a:latin typeface="Amasis MT Pro" panose="02040504050005020304" pitchFamily="18" charset="0"/>
+                <a:ea typeface="Calibri" panose="020F0502020204030204" pitchFamily="34" charset="0"/>
+                <a:cs typeface="Times New Roman" panose="02020603050405020304" pitchFamily="18" charset="0"/>
+              </a:rPr>
+              <a:t>both talkers</a:t>
+            </a:r>
+            <a:r>
+              <a:rPr lang="en-US" sz="3600" b="1" dirty="0">
+                <a:solidFill>
+                  <a:srgbClr val="4D7000"/>
+                </a:solidFill>
+                <a:effectLst/>
+                <a:latin typeface="Amasis MT Pro" panose="02040504050005020304" pitchFamily="18" charset="0"/>
+                <a:ea typeface="Calibri" panose="020F0502020204030204" pitchFamily="34" charset="0"/>
+                <a:cs typeface="Times New Roman" panose="02020603050405020304" pitchFamily="18" charset="0"/>
+              </a:rPr>
+              <a:t>.</a:t>
             </a:r>
           </a:p>
         </p:txBody>
@@ -4869,7 +4905,7 @@
                 </a:solidFill>
                 <a:latin typeface="Amasis MT Pro" panose="02040504050005020304" pitchFamily="18" charset="0"/>
               </a:rPr>
-              <a:t>Participants will be instructed to attend to either the female talker or the male talker. They will then perform a series of 2-option forced-choice lexical decision tasks, in which they will hear a recording and then select if this talker said a word or a nonword (</a:t>
+              <a:t>Participants will be instructed to attend to either the female talker or the male talker. They will then perform a series of 2-option forced-choice lexical decision tasks, in which they will hear a recording and then select if the attended talker said a word or a nonword (</a:t>
             </a:r>
             <a:r>
               <a:rPr lang="en-US" sz="3600" i="1" dirty="0">
@@ -5621,7 +5657,7 @@
                 </a:solidFill>
                 <a:latin typeface="Amasis MT Pro" panose="02040504050005020304" pitchFamily="18" charset="0"/>
               </a:rPr>
-              <a:t>A listener’s perceptual boundary changing more to fit the attended talker’s speech than the unattended talker’s speech would suggest there are limits to the automaticity of speech perception, while conversely complete adaptation to both talkers would suggest that humans automatically adapt their perception to any speech in their environment.</a:t>
+              <a:t>A listener’s perceptual boundary changing more to fit the attended talker’s speech than the unattended talker’s speech would suggest there are limits to the automaticity of speech perception. Conversely, complete adaptation to both talkers would suggest that humans automatically adapt their perception to any speech in their environment.</a:t>
             </a:r>
           </a:p>
         </p:txBody>
@@ -6105,7 +6141,7 @@
                 </a:solidFill>
                 <a:latin typeface="Amasis MT Pro" panose="02040504050005020304" pitchFamily="18" charset="0"/>
               </a:rPr>
-              <a:t>). Each trial will only play a recording from a single voice at once. Participants will select if the audio they heard was “asi” or “ashi” for each trial, to produce results like the predictions, shown to the left. </a:t>
+              <a:t>). Each trial will only play a recording from a single voice at once. Participants will select if the audio they heard was “asi” or “ashi” for each trial to produce results like the predictions, shown to the left. </a:t>
             </a:r>
           </a:p>
         </p:txBody>
@@ -6560,7 +6596,7 @@
           <a:lstStyle/>
           <a:p>
             <a:r>
-              <a:rPr lang="en-US" sz="3100" dirty="0">
+              <a:rPr lang="en-US" sz="3000" dirty="0">
                 <a:solidFill>
                   <a:schemeClr val="tx1">
                     <a:lumMod val="85000"/>
@@ -6572,7 +6608,7 @@
               <a:t>Thank you to Dr. Tanya </a:t>
             </a:r>
             <a:r>
-              <a:rPr lang="en-US" sz="3100" dirty="0" err="1">
+              <a:rPr lang="en-US" sz="3000" dirty="0" err="1">
                 <a:solidFill>
                   <a:schemeClr val="tx1">
                     <a:lumMod val="85000"/>
@@ -6584,19 +6620,19 @@
               <a:t>Kraljic</a:t>
             </a:r>
             <a:r>
-              <a:rPr lang="en-US" sz="3100" dirty="0">
-                <a:solidFill>
-                  <a:schemeClr val="tx1">
-                    <a:lumMod val="85000"/>
-                    <a:lumOff val="15000"/>
-                  </a:schemeClr>
-                </a:solidFill>
-                <a:latin typeface="Amasis MT Pro" panose="02040504050005020304" pitchFamily="18" charset="0"/>
-              </a:rPr>
-              <a:t> and Dr. Arthur Samuel for permission to use the stimuli they had developed (</a:t>
-            </a:r>
-            <a:r>
-              <a:rPr lang="en-US" sz="3100" dirty="0" err="1">
+              <a:rPr lang="en-US" sz="3000" dirty="0">
+                <a:solidFill>
+                  <a:schemeClr val="tx1">
+                    <a:lumMod val="85000"/>
+                    <a:lumOff val="15000"/>
+                  </a:schemeClr>
+                </a:solidFill>
+                <a:latin typeface="Amasis MT Pro" panose="02040504050005020304" pitchFamily="18" charset="0"/>
+              </a:rPr>
+              <a:t> and Dr. Arthur Samuel for their permission to use the stimuli they developed (</a:t>
+            </a:r>
+            <a:r>
+              <a:rPr lang="en-US" sz="3000" dirty="0" err="1">
                 <a:solidFill>
                   <a:schemeClr val="tx1">
                     <a:lumMod val="85000"/>
@@ -6608,16 +6644,16 @@
               <a:t>Kraljic</a:t>
             </a:r>
             <a:r>
-              <a:rPr lang="en-US" sz="3100" dirty="0">
-                <a:solidFill>
-                  <a:schemeClr val="tx1">
-                    <a:lumMod val="85000"/>
-                    <a:lumOff val="15000"/>
-                  </a:schemeClr>
-                </a:solidFill>
-                <a:latin typeface="Amasis MT Pro" panose="02040504050005020304" pitchFamily="18" charset="0"/>
-              </a:rPr>
-              <a:t> &amp; Samuel, 2005), the 2022 Meliora Mentors, and the University of Rochester Brain &amp; Cognitive sciences department.</a:t>
+              <a:rPr lang="en-US" sz="3000" dirty="0">
+                <a:solidFill>
+                  <a:schemeClr val="tx1">
+                    <a:lumMod val="85000"/>
+                    <a:lumOff val="15000"/>
+                  </a:schemeClr>
+                </a:solidFill>
+                <a:latin typeface="Amasis MT Pro" panose="02040504050005020304" pitchFamily="18" charset="0"/>
+              </a:rPr>
+              <a:t> &amp; Samuel, 2005), the 2022 Meliora Mentors, the HLP Lab and the University of Rochester Brain &amp; Cognitive sciences department.</a:t>
             </a:r>
           </a:p>
         </p:txBody>
@@ -7150,7 +7186,7 @@
               <a:rPr lang="en-US" sz="2800" i="1" dirty="0">
                 <a:latin typeface="Amasis MT Pro" panose="02040504050005020304" pitchFamily="18" charset="0"/>
               </a:rPr>
-              <a:t>/), rather than “asi”  (/s/). If perceptual adaptation is dependent on attentional resources, we anticipate the listener will adjustment to the unattended talker will be constrained.</a:t>
+              <a:t>/), rather than “asi” (/s/). If perceptual adaptation is dependent on attentional resources, we anticipate listener’ adjustment to the unattended talker will be constrained.</a:t>
             </a:r>
           </a:p>
         </p:txBody>
@@ -7291,7 +7327,7 @@
               <a:rPr lang="en-US" sz="2800" i="1" dirty="0">
                 <a:latin typeface="Amasis MT Pro" panose="02040504050005020304" pitchFamily="18" charset="0"/>
               </a:rPr>
-              <a:t>Figure 4: A static representation of how a participant will progress through a trial. Each trial will begin with the participant hearing an audio file and then selecting either “Word” or “Nonword”.</a:t>
+              <a:t>Figure 4: A static representation of how a participant will progress through a trial. Each trial will begin with the participant hearing an audio file, and then selecting either “Word” or “Nonword”.</a:t>
             </a:r>
           </a:p>
         </p:txBody>
@@ -7346,87 +7382,66 @@
           </a:p>
         </p:txBody>
       </p:sp>
-      <p:grpSp>
-        <p:nvGrpSpPr>
-          <p:cNvPr id="19" name="Group 18">
+      <p:pic>
+        <p:nvPicPr>
+          <p:cNvPr id="15" name="Picture 14">
             <a:extLst>
               <a:ext uri="{FF2B5EF4-FFF2-40B4-BE49-F238E27FC236}">
-                <a16:creationId xmlns:a16="http://schemas.microsoft.com/office/drawing/2014/main" id="{E22245E3-EEB9-E849-7B02-B4D1C08983C1}"/>
+                <a16:creationId xmlns:a16="http://schemas.microsoft.com/office/drawing/2014/main" id="{E5752F50-4171-E972-6675-F89D10008D35}"/>
               </a:ext>
             </a:extLst>
           </p:cNvPr>
-          <p:cNvGrpSpPr/>
+          <p:cNvPicPr>
+            <a:picLocks noChangeAspect="1"/>
+          </p:cNvPicPr>
           <p:nvPr/>
-        </p:nvGrpSpPr>
-        <p:grpSpPr>
+        </p:nvPicPr>
+        <p:blipFill>
+          <a:blip r:embed="rId10"/>
+          <a:stretch>
+            <a:fillRect/>
+          </a:stretch>
+        </p:blipFill>
+        <p:spPr>
           <a:xfrm>
-            <a:off x="2634849" y="15808330"/>
-            <a:ext cx="11716895" cy="10437304"/>
-            <a:chOff x="1558990" y="14352071"/>
-            <a:chExt cx="11253002" cy="10681507"/>
+            <a:off x="2777316" y="15808330"/>
+            <a:ext cx="11431962" cy="5113434"/>
           </a:xfrm>
-        </p:grpSpPr>
-        <p:pic>
-          <p:nvPicPr>
-            <p:cNvPr id="15" name="Picture 14">
-              <a:extLst>
-                <a:ext uri="{FF2B5EF4-FFF2-40B4-BE49-F238E27FC236}">
-                  <a16:creationId xmlns:a16="http://schemas.microsoft.com/office/drawing/2014/main" id="{E5752F50-4171-E972-6675-F89D10008D35}"/>
-                </a:ext>
-              </a:extLst>
-            </p:cNvPr>
-            <p:cNvPicPr>
-              <a:picLocks noChangeAspect="1"/>
-            </p:cNvPicPr>
-            <p:nvPr/>
-          </p:nvPicPr>
-          <p:blipFill>
-            <a:blip r:embed="rId10"/>
-            <a:stretch>
-              <a:fillRect/>
-            </a:stretch>
-          </p:blipFill>
-          <p:spPr>
-            <a:xfrm>
-              <a:off x="1695816" y="14352071"/>
-              <a:ext cx="10979350" cy="5233074"/>
-            </a:xfrm>
-            <a:prstGeom prst="rect">
-              <a:avLst/>
-            </a:prstGeom>
-          </p:spPr>
-        </p:pic>
-        <p:pic>
-          <p:nvPicPr>
-            <p:cNvPr id="18" name="Picture 17">
-              <a:extLst>
-                <a:ext uri="{FF2B5EF4-FFF2-40B4-BE49-F238E27FC236}">
-                  <a16:creationId xmlns:a16="http://schemas.microsoft.com/office/drawing/2014/main" id="{49E0AFF1-819C-81BA-A9D2-AD4CD204FDE9}"/>
-                </a:ext>
-              </a:extLst>
-            </p:cNvPr>
-            <p:cNvPicPr>
-              <a:picLocks noChangeAspect="1"/>
-            </p:cNvPicPr>
-            <p:nvPr/>
-          </p:nvPicPr>
-          <p:blipFill>
-            <a:blip r:embed="rId11"/>
-            <a:stretch>
-              <a:fillRect/>
-            </a:stretch>
-          </p:blipFill>
-          <p:spPr>
-            <a:xfrm>
-              <a:off x="1558990" y="19255010"/>
-              <a:ext cx="11253002" cy="5778568"/>
-            </a:xfrm>
-            <a:prstGeom prst="rect">
-              <a:avLst/>
-            </a:prstGeom>
-          </p:spPr>
-        </p:pic>
-      </p:grpSp>
+          <a:prstGeom prst="rect">
+            <a:avLst/>
+          </a:prstGeom>
+        </p:spPr>
+      </p:pic>
+      <p:pic>
+        <p:nvPicPr>
+          <p:cNvPr id="10" name="Picture 9">
+            <a:extLst>
+              <a:ext uri="{FF2B5EF4-FFF2-40B4-BE49-F238E27FC236}">
+                <a16:creationId xmlns:a16="http://schemas.microsoft.com/office/drawing/2014/main" id="{7BACDFFE-0CC8-6D10-DD83-3077853481B6}"/>
+              </a:ext>
+            </a:extLst>
+          </p:cNvPr>
+          <p:cNvPicPr>
+            <a:picLocks noChangeAspect="1"/>
+          </p:cNvPicPr>
+          <p:nvPr/>
+        </p:nvPicPr>
+        <p:blipFill>
+          <a:blip r:embed="rId11"/>
+          <a:stretch>
+            <a:fillRect/>
+          </a:stretch>
+        </p:blipFill>
+        <p:spPr>
+          <a:xfrm>
+            <a:off x="2934571" y="20562573"/>
+            <a:ext cx="11200351" cy="5749229"/>
+          </a:xfrm>
+          <a:prstGeom prst="rect">
+            <a:avLst/>
+          </a:prstGeom>
+        </p:spPr>
+      </p:pic>
     </p:spTree>
     <p:extLst>
       <p:ext uri="{BB962C8B-B14F-4D97-AF65-F5344CB8AC3E}">

--- a/Fellowship Conference 2022/Poster_RS 07.29.pptx
+++ b/Fellowship Conference 2022/Poster_RS 07.29.pptx
@@ -3002,8 +3002,8 @@
         </p:nvSpPr>
         <p:spPr>
           <a:xfrm>
-            <a:off x="689680" y="10284139"/>
-            <a:ext cx="15297174" cy="882695"/>
+            <a:off x="689679" y="10284139"/>
+            <a:ext cx="15333105" cy="806098"/>
           </a:xfrm>
           <a:prstGeom prst="roundRect">
             <a:avLst/>
@@ -3380,8 +3380,8 @@
         </p:nvSpPr>
         <p:spPr>
           <a:xfrm>
-            <a:off x="16939399" y="4043716"/>
-            <a:ext cx="31119871" cy="871332"/>
+            <a:off x="16936458" y="4319973"/>
+            <a:ext cx="31119871" cy="813098"/>
           </a:xfrm>
           <a:prstGeom prst="roundRect">
             <a:avLst/>
@@ -3635,7 +3635,7 @@
           </a:bodyPr>
           <a:lstStyle/>
           <a:p>
-            <a:pPr marL="0" marR="0">
+            <a:pPr marL="0" marR="0" algn="just">
               <a:lnSpc>
                 <a:spcPct val="107000"/>
               </a:lnSpc>
@@ -3833,7 +3833,7 @@
         </p:nvSpPr>
         <p:spPr>
           <a:xfrm>
-            <a:off x="17302495" y="5639340"/>
+            <a:off x="17299554" y="5857363"/>
             <a:ext cx="30756775" cy="2308324"/>
           </a:xfrm>
           <a:prstGeom prst="rect">
@@ -3847,7 +3847,7 @@
           </a:bodyPr>
           <a:lstStyle/>
           <a:p>
-            <a:pPr algn="ctr"/>
+            <a:pPr algn="just"/>
             <a:r>
               <a:rPr lang="en-US" sz="3600" dirty="0">
                 <a:solidFill>
@@ -4043,7 +4043,7 @@
         </p:nvSpPr>
         <p:spPr>
           <a:xfrm>
-            <a:off x="20611717" y="4961296"/>
+            <a:off x="20608776" y="5179319"/>
             <a:ext cx="23873817" cy="677108"/>
           </a:xfrm>
           <a:prstGeom prst="rect">
@@ -4341,6 +4341,7 @@
             </a:r>
           </a:p>
           <a:p>
+            <a:pPr algn="just"/>
             <a:r>
               <a:rPr lang="en-US" sz="2700" dirty="0">
                 <a:solidFill>
@@ -4504,6 +4505,7 @@
           </a:bodyPr>
           <a:lstStyle/>
           <a:p>
+            <a:pPr algn="just"/>
             <a:r>
               <a:rPr lang="en-US" sz="3600" dirty="0">
                 <a:solidFill>
@@ -4649,6 +4651,7 @@
           </a:bodyPr>
           <a:lstStyle/>
           <a:p>
+            <a:pPr algn="just"/>
             <a:r>
               <a:rPr lang="en-US" sz="3600" dirty="0">
                 <a:solidFill>
@@ -4895,6 +4898,7 @@
           </a:bodyPr>
           <a:lstStyle/>
           <a:p>
+            <a:pPr algn="just"/>
             <a:r>
               <a:rPr lang="en-US" sz="3600" dirty="0">
                 <a:solidFill>
@@ -4953,7 +4957,7 @@
         </p:blipFill>
         <p:spPr>
           <a:xfrm>
-            <a:off x="41452435" y="11857289"/>
+            <a:off x="41627051" y="11632440"/>
             <a:ext cx="6572167" cy="11593595"/>
           </a:xfrm>
           <a:prstGeom prst="rect">
@@ -5138,6 +5142,7 @@
           </a:bodyPr>
           <a:lstStyle/>
           <a:p>
+            <a:pPr algn="just"/>
             <a:r>
               <a:rPr lang="en-US" sz="3600" dirty="0">
                 <a:latin typeface="Amasis MT Pro" panose="02040504050005020304" pitchFamily="18" charset="0"/>
@@ -5250,6 +5255,7 @@
           </a:bodyPr>
           <a:lstStyle/>
           <a:p>
+            <a:pPr algn="just"/>
             <a:r>
               <a:rPr lang="en-US" sz="3600" dirty="0">
                 <a:solidFill>
@@ -5422,6 +5428,7 @@
           </a:bodyPr>
           <a:lstStyle/>
           <a:p>
+            <a:pPr algn="just"/>
             <a:r>
               <a:rPr lang="en-US" sz="3600" b="1" dirty="0">
                 <a:solidFill>
@@ -5541,6 +5548,7 @@
           </a:bodyPr>
           <a:lstStyle/>
           <a:p>
+            <a:pPr algn="just"/>
             <a:r>
               <a:rPr lang="en-US" sz="3600" dirty="0">
                 <a:solidFill>
@@ -5647,6 +5655,7 @@
           </a:bodyPr>
           <a:lstStyle/>
           <a:p>
+            <a:pPr algn="just"/>
             <a:r>
               <a:rPr lang="en-US" sz="3800" dirty="0">
                 <a:solidFill>
@@ -6059,6 +6068,7 @@
           </a:bodyPr>
           <a:lstStyle/>
           <a:p>
+            <a:pPr algn="just"/>
             <a:r>
               <a:rPr lang="en-US" sz="3600" dirty="0">
                 <a:solidFill>
@@ -6515,7 +6525,7 @@
         <p:spPr>
           <a:xfrm>
             <a:off x="37245282" y="30693032"/>
-            <a:ext cx="9081904" cy="1477328"/>
+            <a:ext cx="8583002" cy="1477328"/>
           </a:xfrm>
           <a:prstGeom prst="rect">
             <a:avLst/>
@@ -6528,6 +6538,7 @@
           </a:bodyPr>
           <a:lstStyle/>
           <a:p>
+            <a:pPr algn="just"/>
             <a:r>
               <a:rPr lang="en-US" sz="3000" dirty="0">
                 <a:solidFill>
@@ -6595,6 +6606,7 @@
           </a:bodyPr>
           <a:lstStyle/>
           <a:p>
+            <a:pPr algn="just"/>
             <a:r>
               <a:rPr lang="en-US" sz="3000" dirty="0">
                 <a:solidFill>
@@ -6672,8 +6684,8 @@
         </p:nvSpPr>
         <p:spPr>
           <a:xfrm>
-            <a:off x="834487" y="14835406"/>
-            <a:ext cx="15228809" cy="752584"/>
+            <a:off x="834487" y="14781891"/>
+            <a:ext cx="15228809" cy="806099"/>
           </a:xfrm>
           <a:prstGeom prst="roundRect">
             <a:avLst/>
@@ -7137,7 +7149,7 @@
         </p:nvSpPr>
         <p:spPr>
           <a:xfrm>
-            <a:off x="872708" y="26245634"/>
+            <a:off x="795700" y="26385556"/>
             <a:ext cx="15252299" cy="1815882"/>
           </a:xfrm>
           <a:prstGeom prst="rect">
@@ -7396,16 +7408,15 @@
           </p:cNvPicPr>
           <p:nvPr/>
         </p:nvPicPr>
-        <p:blipFill>
+        <p:blipFill rotWithShape="1">
           <a:blip r:embed="rId10"/>
-          <a:stretch>
-            <a:fillRect/>
-          </a:stretch>
+          <a:srcRect b="7236"/>
+          <a:stretch/>
         </p:blipFill>
         <p:spPr>
           <a:xfrm>
-            <a:off x="2777316" y="15808330"/>
-            <a:ext cx="11431962" cy="5113434"/>
+            <a:off x="2834036" y="15587990"/>
+            <a:ext cx="11300888" cy="5104893"/>
           </a:xfrm>
           <a:prstGeom prst="rect">
             <a:avLst/>
@@ -7434,8 +7445,8 @@
         </p:blipFill>
         <p:spPr>
           <a:xfrm>
-            <a:off x="2934571" y="20562573"/>
-            <a:ext cx="11200351" cy="5749229"/>
+            <a:off x="2882423" y="20656381"/>
+            <a:ext cx="11300888" cy="5749229"/>
           </a:xfrm>
           <a:prstGeom prst="rect">
             <a:avLst/>

--- a/Fellowship Conference 2022/Poster_RS 07.29.pptx
+++ b/Fellowship Conference 2022/Poster_RS 07.29.pptx
@@ -260,7 +260,7 @@
           <a:p>
             <a:fld id="{215A6F6B-4740-4ABA-990A-DB123C3F0656}" type="datetimeFigureOut">
               <a:rPr lang="en-US" smtClean="0"/>
-              <a:t>7/29/2022</a:t>
+              <a:t>7/30/2022</a:t>
             </a:fld>
             <a:endParaRPr lang="en-US"/>
           </a:p>
@@ -430,7 +430,7 @@
           <a:p>
             <a:fld id="{215A6F6B-4740-4ABA-990A-DB123C3F0656}" type="datetimeFigureOut">
               <a:rPr lang="en-US" smtClean="0"/>
-              <a:t>7/29/2022</a:t>
+              <a:t>7/30/2022</a:t>
             </a:fld>
             <a:endParaRPr lang="en-US"/>
           </a:p>
@@ -610,7 +610,7 @@
           <a:p>
             <a:fld id="{215A6F6B-4740-4ABA-990A-DB123C3F0656}" type="datetimeFigureOut">
               <a:rPr lang="en-US" smtClean="0"/>
-              <a:t>7/29/2022</a:t>
+              <a:t>7/30/2022</a:t>
             </a:fld>
             <a:endParaRPr lang="en-US"/>
           </a:p>
@@ -780,7 +780,7 @@
           <a:p>
             <a:fld id="{215A6F6B-4740-4ABA-990A-DB123C3F0656}" type="datetimeFigureOut">
               <a:rPr lang="en-US" smtClean="0"/>
-              <a:t>7/29/2022</a:t>
+              <a:t>7/30/2022</a:t>
             </a:fld>
             <a:endParaRPr lang="en-US"/>
           </a:p>
@@ -1024,7 +1024,7 @@
           <a:p>
             <a:fld id="{215A6F6B-4740-4ABA-990A-DB123C3F0656}" type="datetimeFigureOut">
               <a:rPr lang="en-US" smtClean="0"/>
-              <a:t>7/29/2022</a:t>
+              <a:t>7/30/2022</a:t>
             </a:fld>
             <a:endParaRPr lang="en-US"/>
           </a:p>
@@ -1256,7 +1256,7 @@
           <a:p>
             <a:fld id="{215A6F6B-4740-4ABA-990A-DB123C3F0656}" type="datetimeFigureOut">
               <a:rPr lang="en-US" smtClean="0"/>
-              <a:t>7/29/2022</a:t>
+              <a:t>7/30/2022</a:t>
             </a:fld>
             <a:endParaRPr lang="en-US"/>
           </a:p>
@@ -1623,7 +1623,7 @@
           <a:p>
             <a:fld id="{215A6F6B-4740-4ABA-990A-DB123C3F0656}" type="datetimeFigureOut">
               <a:rPr lang="en-US" smtClean="0"/>
-              <a:t>7/29/2022</a:t>
+              <a:t>7/30/2022</a:t>
             </a:fld>
             <a:endParaRPr lang="en-US"/>
           </a:p>
@@ -1741,7 +1741,7 @@
           <a:p>
             <a:fld id="{215A6F6B-4740-4ABA-990A-DB123C3F0656}" type="datetimeFigureOut">
               <a:rPr lang="en-US" smtClean="0"/>
-              <a:t>7/29/2022</a:t>
+              <a:t>7/30/2022</a:t>
             </a:fld>
             <a:endParaRPr lang="en-US"/>
           </a:p>
@@ -1836,7 +1836,7 @@
           <a:p>
             <a:fld id="{215A6F6B-4740-4ABA-990A-DB123C3F0656}" type="datetimeFigureOut">
               <a:rPr lang="en-US" smtClean="0"/>
-              <a:t>7/29/2022</a:t>
+              <a:t>7/30/2022</a:t>
             </a:fld>
             <a:endParaRPr lang="en-US"/>
           </a:p>
@@ -2113,7 +2113,7 @@
           <a:p>
             <a:fld id="{215A6F6B-4740-4ABA-990A-DB123C3F0656}" type="datetimeFigureOut">
               <a:rPr lang="en-US" smtClean="0"/>
-              <a:t>7/29/2022</a:t>
+              <a:t>7/30/2022</a:t>
             </a:fld>
             <a:endParaRPr lang="en-US"/>
           </a:p>
@@ -2370,7 +2370,7 @@
           <a:p>
             <a:fld id="{215A6F6B-4740-4ABA-990A-DB123C3F0656}" type="datetimeFigureOut">
               <a:rPr lang="en-US" smtClean="0"/>
-              <a:t>7/29/2022</a:t>
+              <a:t>7/30/2022</a:t>
             </a:fld>
             <a:endParaRPr lang="en-US"/>
           </a:p>
@@ -2583,7 +2583,7 @@
           <a:p>
             <a:fld id="{215A6F6B-4740-4ABA-990A-DB123C3F0656}" type="datetimeFigureOut">
               <a:rPr lang="en-US" smtClean="0"/>
-              <a:t>7/29/2022</a:t>
+              <a:t>7/30/2022</a:t>
             </a:fld>
             <a:endParaRPr lang="en-US"/>
           </a:p>
@@ -3311,7 +3311,7 @@
         </p:nvSpPr>
         <p:spPr>
           <a:xfrm>
-            <a:off x="16936458" y="27766557"/>
+            <a:off x="16921493" y="27759710"/>
             <a:ext cx="19360853" cy="813098"/>
           </a:xfrm>
           <a:prstGeom prst="roundRect">
@@ -3451,9 +3451,9 @@
         <p:grpSpPr>
           <a:xfrm>
             <a:off x="689747" y="9975411"/>
-            <a:ext cx="15333038" cy="4413792"/>
+            <a:ext cx="15333037" cy="4391606"/>
             <a:chOff x="936163" y="12563362"/>
-            <a:chExt cx="15249277" cy="4536707"/>
+            <a:chExt cx="15249276" cy="4513903"/>
           </a:xfrm>
         </p:grpSpPr>
         <p:sp>
@@ -3470,8 +3470,8 @@
           </p:nvSpPr>
           <p:spPr>
             <a:xfrm>
-              <a:off x="942714" y="13935710"/>
-              <a:ext cx="15242726" cy="3164359"/>
+              <a:off x="942713" y="13838455"/>
+              <a:ext cx="15242726" cy="2942032"/>
             </a:xfrm>
             <a:prstGeom prst="rect">
               <a:avLst/>
@@ -3496,13 +3496,129 @@
                   <a:latin typeface="Amasis MT Pro" panose="02040504050005020304" pitchFamily="18" charset="0"/>
                   <a:cs typeface="Angsana New" panose="02020603050405020304" pitchFamily="18" charset="-34"/>
                 </a:rPr>
-                <a:t>We hypothesize that speech perception adaptation is contingent upon attention. If there are limits to the automaticity of speech perception, then we expect listeners will adapt their perceived categorical boundary to align better with the speech of the talker they are instructed to attend to compared to the unattended talker. </a:t>
+                <a:t>We hypothesize that speech perception adaptation is contingent upon attention. </a:t>
+              </a:r>
+              <a:r>
+                <a:rPr lang="en-US" sz="3600" b="1" dirty="0">
+                  <a:solidFill>
+                    <a:srgbClr val="4D7000"/>
+                  </a:solidFill>
+                  <a:latin typeface="Amasis MT Pro" panose="02040504050005020304" pitchFamily="18" charset="0"/>
+                  <a:cs typeface="Angsana New" panose="02020603050405020304" pitchFamily="18" charset="-34"/>
+                </a:rPr>
+                <a:t>If there are limits to the automaticity </a:t>
+              </a:r>
+              <a:r>
+                <a:rPr lang="en-US" sz="3600" dirty="0">
+                  <a:solidFill>
+                    <a:schemeClr val="tx1">
+                      <a:lumMod val="85000"/>
+                      <a:lumOff val="15000"/>
+                    </a:schemeClr>
+                  </a:solidFill>
+                  <a:latin typeface="Amasis MT Pro" panose="02040504050005020304" pitchFamily="18" charset="0"/>
+                  <a:cs typeface="Angsana New" panose="02020603050405020304" pitchFamily="18" charset="-34"/>
+                </a:rPr>
+                <a:t>of speech perception, then we expect listeners will adapt their </a:t>
+              </a:r>
+              <a:r>
+                <a:rPr lang="en-US" sz="3600" dirty="0">
+                  <a:solidFill>
+                    <a:schemeClr val="bg2">
+                      <a:lumMod val="25000"/>
+                    </a:schemeClr>
+                  </a:solidFill>
+                  <a:latin typeface="Amasis MT Pro" panose="02040504050005020304" pitchFamily="18" charset="0"/>
+                  <a:cs typeface="Angsana New" panose="02020603050405020304" pitchFamily="18" charset="-34"/>
+                </a:rPr>
+                <a:t>perceived categorical boundary to </a:t>
+              </a:r>
+              <a:r>
+                <a:rPr lang="en-US" sz="3600" b="1" dirty="0">
+                  <a:solidFill>
+                    <a:srgbClr val="4D7000"/>
+                  </a:solidFill>
+                  <a:latin typeface="Amasis MT Pro" panose="02040504050005020304" pitchFamily="18" charset="0"/>
+                  <a:cs typeface="Angsana New" panose="02020603050405020304" pitchFamily="18" charset="-34"/>
+                </a:rPr>
+                <a:t>align better with the speech of the talker</a:t>
+              </a:r>
+              <a:r>
+                <a:rPr lang="en-US" sz="3600" dirty="0">
+                  <a:solidFill>
+                    <a:schemeClr val="tx1">
+                      <a:lumMod val="85000"/>
+                      <a:lumOff val="15000"/>
+                    </a:schemeClr>
+                  </a:solidFill>
+                  <a:latin typeface="Amasis MT Pro" panose="02040504050005020304" pitchFamily="18" charset="0"/>
+                  <a:cs typeface="Angsana New" panose="02020603050405020304" pitchFamily="18" charset="-34"/>
+                </a:rPr>
+                <a:t> </a:t>
+              </a:r>
+              <a:r>
+                <a:rPr lang="en-US" sz="3600" b="1" dirty="0">
+                  <a:solidFill>
+                    <a:srgbClr val="4D7000"/>
+                  </a:solidFill>
+                  <a:latin typeface="Amasis MT Pro" panose="02040504050005020304" pitchFamily="18" charset="0"/>
+                  <a:cs typeface="Angsana New" panose="02020603050405020304" pitchFamily="18" charset="-34"/>
+                </a:rPr>
+                <a:t>they are attending to</a:t>
+              </a:r>
+              <a:r>
+                <a:rPr lang="en-US" sz="3600" dirty="0">
+                  <a:solidFill>
+                    <a:schemeClr val="tx1">
+                      <a:lumMod val="85000"/>
+                      <a:lumOff val="15000"/>
+                    </a:schemeClr>
+                  </a:solidFill>
+                  <a:latin typeface="Amasis MT Pro" panose="02040504050005020304" pitchFamily="18" charset="0"/>
+                  <a:cs typeface="Angsana New" panose="02020603050405020304" pitchFamily="18" charset="-34"/>
+                </a:rPr>
+                <a:t> </a:t>
+              </a:r>
+              <a:r>
+                <a:rPr lang="en-US" sz="3600" dirty="0">
+                  <a:solidFill>
+                    <a:schemeClr val="bg2">
+                      <a:lumMod val="25000"/>
+                    </a:schemeClr>
+                  </a:solidFill>
+                  <a:latin typeface="Amasis MT Pro" panose="02040504050005020304" pitchFamily="18" charset="0"/>
+                  <a:cs typeface="Angsana New" panose="02020603050405020304" pitchFamily="18" charset="-34"/>
+                </a:rPr>
+                <a:t>compared to the unattended talker </a:t>
+              </a:r>
+              <a:r>
+                <a:rPr lang="en-US" sz="3600" i="1" dirty="0">
+                  <a:solidFill>
+                    <a:schemeClr val="bg2">
+                      <a:lumMod val="25000"/>
+                    </a:schemeClr>
+                  </a:solidFill>
+                  <a:latin typeface="Amasis MT Pro" panose="02040504050005020304" pitchFamily="18" charset="0"/>
+                  <a:cs typeface="Angsana New" panose="02020603050405020304" pitchFamily="18" charset="-34"/>
+                </a:rPr>
+                <a:t>(see predictions below)</a:t>
+              </a:r>
+              <a:r>
+                <a:rPr lang="en-US" sz="3600" dirty="0">
+                  <a:solidFill>
+                    <a:schemeClr val="bg2">
+                      <a:lumMod val="25000"/>
+                    </a:schemeClr>
+                  </a:solidFill>
+                  <a:latin typeface="Amasis MT Pro" panose="02040504050005020304" pitchFamily="18" charset="0"/>
+                  <a:cs typeface="Angsana New" panose="02020603050405020304" pitchFamily="18" charset="-34"/>
+                </a:rPr>
+                <a:t>. </a:t>
               </a:r>
               <a:endParaRPr lang="en-US" sz="3200" dirty="0">
                 <a:solidFill>
-                  <a:schemeClr val="tx1">
-                    <a:lumMod val="85000"/>
-                    <a:lumOff val="15000"/>
+                  <a:schemeClr val="bg2">
+                    <a:lumMod val="25000"/>
                   </a:schemeClr>
                 </a:solidFill>
                 <a:latin typeface="Amasis MT Pro" panose="02040504050005020304" pitchFamily="18" charset="0"/>
@@ -4909,7 +5025,49 @@
                 </a:solidFill>
                 <a:latin typeface="Amasis MT Pro" panose="02040504050005020304" pitchFamily="18" charset="0"/>
               </a:rPr>
-              <a:t>Participants will be instructed to attend to either the female talker or the male talker. They will then perform a series of 2-option forced-choice lexical decision tasks, in which they will hear a recording and then select if the attended talker said a word or a nonword (</a:t>
+              <a:t>Participants will be instructed to </a:t>
+            </a:r>
+            <a:r>
+              <a:rPr lang="en-US" sz="3600" b="1" dirty="0">
+                <a:solidFill>
+                  <a:srgbClr val="4D7000"/>
+                </a:solidFill>
+                <a:latin typeface="Amasis MT Pro" panose="02040504050005020304" pitchFamily="18" charset="0"/>
+              </a:rPr>
+              <a:t>attend to either the female talker or the male talker.</a:t>
+            </a:r>
+            <a:r>
+              <a:rPr lang="en-US" sz="3600" dirty="0">
+                <a:solidFill>
+                  <a:schemeClr val="tx1">
+                    <a:lumMod val="85000"/>
+                    <a:lumOff val="15000"/>
+                  </a:schemeClr>
+                </a:solidFill>
+                <a:latin typeface="Amasis MT Pro" panose="02040504050005020304" pitchFamily="18" charset="0"/>
+              </a:rPr>
+              <a:t> They will then perform a series of 2-option forced-choice lexical decision tasks, in which they will hear a recording and then select </a:t>
+            </a:r>
+            <a:r>
+              <a:rPr lang="en-US" sz="3600" b="1" dirty="0">
+                <a:solidFill>
+                  <a:srgbClr val="4D7000"/>
+                </a:solidFill>
+                <a:latin typeface="Amasis MT Pro" panose="02040504050005020304" pitchFamily="18" charset="0"/>
+              </a:rPr>
+              <a:t>if the attended talker said a word or a nonword</a:t>
+            </a:r>
+            <a:r>
+              <a:rPr lang="en-US" sz="3600" dirty="0">
+                <a:solidFill>
+                  <a:schemeClr val="tx1">
+                    <a:lumMod val="85000"/>
+                    <a:lumOff val="15000"/>
+                  </a:schemeClr>
+                </a:solidFill>
+                <a:latin typeface="Amasis MT Pro" panose="02040504050005020304" pitchFamily="18" charset="0"/>
+              </a:rPr>
+              <a:t> (</a:t>
             </a:r>
             <a:r>
               <a:rPr lang="en-US" sz="3600" i="1" dirty="0">
@@ -5059,7 +5217,7 @@
         </p:nvSpPr>
         <p:spPr>
           <a:xfrm>
-            <a:off x="872708" y="28203363"/>
+            <a:off x="877829" y="28511785"/>
             <a:ext cx="15335182" cy="752583"/>
           </a:xfrm>
           <a:prstGeom prst="roundRect">
@@ -5562,13 +5720,24 @@
               <a:t>Each experiment consists </a:t>
             </a:r>
             <a:r>
+              <a:rPr lang="en-US" sz="3600" dirty="0">
+                <a:solidFill>
+                  <a:schemeClr val="bg2">
+                    <a:lumMod val="25000"/>
+                  </a:schemeClr>
+                </a:solidFill>
+                <a:latin typeface="Amasis MT Pro" panose="02040504050005020304" pitchFamily="18" charset="0"/>
+              </a:rPr>
+              <a:t>of</a:t>
+            </a:r>
+            <a:r>
               <a:rPr lang="en-US" sz="3600" b="1" dirty="0">
                 <a:solidFill>
                   <a:srgbClr val="4D7000"/>
                 </a:solidFill>
                 <a:latin typeface="Amasis MT Pro" panose="02040504050005020304" pitchFamily="18" charset="0"/>
               </a:rPr>
-              <a:t>of 80 total exposure trials</a:t>
+              <a:t> 80 total exposure trials</a:t>
             </a:r>
             <a:r>
               <a:rPr lang="en-US" sz="3600" dirty="0">
@@ -5641,8 +5810,8 @@
         </p:nvSpPr>
         <p:spPr>
           <a:xfrm>
-            <a:off x="855212" y="28955946"/>
-            <a:ext cx="15133276" cy="3016210"/>
+            <a:off x="860333" y="29264368"/>
+            <a:ext cx="15133276" cy="2862322"/>
           </a:xfrm>
           <a:prstGeom prst="rect">
             <a:avLst/>
@@ -5657,16 +5826,69 @@
           <a:p>
             <a:pPr algn="just"/>
             <a:r>
-              <a:rPr lang="en-US" sz="3800" dirty="0">
-                <a:solidFill>
-                  <a:schemeClr val="tx1">
-                    <a:lumMod val="85000"/>
-                    <a:lumOff val="15000"/>
-                  </a:schemeClr>
-                </a:solidFill>
-                <a:latin typeface="Amasis MT Pro" panose="02040504050005020304" pitchFamily="18" charset="0"/>
-              </a:rPr>
-              <a:t>A listener’s perceptual boundary changing more to fit the attended talker’s speech than the unattended talker’s speech would suggest there are limits to the automaticity of speech perception. Conversely, complete adaptation to both talkers would suggest that humans automatically adapt their perception to any speech in their environment.</a:t>
+              <a:rPr lang="en-US" sz="3600" dirty="0">
+                <a:solidFill>
+                  <a:schemeClr val="tx1">
+                    <a:lumMod val="85000"/>
+                    <a:lumOff val="15000"/>
+                  </a:schemeClr>
+                </a:solidFill>
+                <a:latin typeface="Amasis MT Pro" panose="02040504050005020304" pitchFamily="18" charset="0"/>
+              </a:rPr>
+              <a:t>A listener’s perceptual boundary </a:t>
+            </a:r>
+            <a:r>
+              <a:rPr lang="en-US" sz="3600" b="1" dirty="0">
+                <a:solidFill>
+                  <a:srgbClr val="4D7000"/>
+                </a:solidFill>
+                <a:latin typeface="Amasis MT Pro" panose="02040504050005020304" pitchFamily="18" charset="0"/>
+              </a:rPr>
+              <a:t>changing more to fit the attended talker’s speech </a:t>
+            </a:r>
+            <a:r>
+              <a:rPr lang="en-US" sz="3600" dirty="0">
+                <a:solidFill>
+                  <a:schemeClr val="bg2">
+                    <a:lumMod val="25000"/>
+                  </a:schemeClr>
+                </a:solidFill>
+                <a:latin typeface="Amasis MT Pro" panose="02040504050005020304" pitchFamily="18" charset="0"/>
+              </a:rPr>
+              <a:t>than the unattended talker’s speech </a:t>
+            </a:r>
+            <a:r>
+              <a:rPr lang="en-US" sz="3600" dirty="0">
+                <a:solidFill>
+                  <a:schemeClr val="tx1">
+                    <a:lumMod val="85000"/>
+                    <a:lumOff val="15000"/>
+                  </a:schemeClr>
+                </a:solidFill>
+                <a:latin typeface="Amasis MT Pro" panose="02040504050005020304" pitchFamily="18" charset="0"/>
+              </a:rPr>
+              <a:t>would suggest there are </a:t>
+            </a:r>
+            <a:r>
+              <a:rPr lang="en-US" sz="3600" b="1" dirty="0">
+                <a:solidFill>
+                  <a:srgbClr val="4D7000"/>
+                </a:solidFill>
+                <a:latin typeface="Amasis MT Pro" panose="02040504050005020304" pitchFamily="18" charset="0"/>
+              </a:rPr>
+              <a:t>limits to the automaticity of speech perception</a:t>
+            </a:r>
+            <a:r>
+              <a:rPr lang="en-US" sz="3600" dirty="0">
+                <a:solidFill>
+                  <a:schemeClr val="tx1">
+                    <a:lumMod val="85000"/>
+                    <a:lumOff val="15000"/>
+                  </a:schemeClr>
+                </a:solidFill>
+                <a:latin typeface="Amasis MT Pro" panose="02040504050005020304" pitchFamily="18" charset="0"/>
+              </a:rPr>
+              <a:t>. Conversely, complete adaptation to both talkers would suggest that humans automatically adapt their perception to any speech in their environment.</a:t>
             </a:r>
           </a:p>
         </p:txBody>
@@ -6054,8 +6276,8 @@
         </p:nvSpPr>
         <p:spPr>
           <a:xfrm>
-            <a:off x="17070824" y="25147504"/>
-            <a:ext cx="20497573" cy="2308324"/>
+            <a:off x="17099056" y="25096072"/>
+            <a:ext cx="20612693" cy="2308324"/>
           </a:xfrm>
           <a:prstGeom prst="rect">
             <a:avLst/>
@@ -6103,21 +6325,36 @@
                 </a:solidFill>
                 <a:latin typeface="Amasis MT Pro" panose="02040504050005020304" pitchFamily="18" charset="0"/>
               </a:rPr>
-              <a:t> test continuum across trials in each talker’s voice. This continuum is used to gauge when listener’s shift from perceiving a sound as “</a:t>
-            </a:r>
-            <a:r>
-              <a:rPr lang="en-US" sz="3600" dirty="0" err="1">
-                <a:solidFill>
-                  <a:schemeClr val="tx1">
-                    <a:lumMod val="85000"/>
-                    <a:lumOff val="15000"/>
-                  </a:schemeClr>
+              <a:t> test continuum in each talker’s voice. This continuum is used to </a:t>
+            </a:r>
+            <a:r>
+              <a:rPr lang="en-US" sz="3600" b="1" dirty="0">
+                <a:solidFill>
+                  <a:srgbClr val="4D7000"/>
+                </a:solidFill>
+                <a:latin typeface="Amasis MT Pro" panose="02040504050005020304" pitchFamily="18" charset="0"/>
+              </a:rPr>
+              <a:t>gauge when listener’s shift from perceiving a sound as “</a:t>
+            </a:r>
+            <a:r>
+              <a:rPr lang="en-US" sz="3600" b="1" dirty="0" err="1">
+                <a:solidFill>
+                  <a:srgbClr val="4D7000"/>
                 </a:solidFill>
                 <a:latin typeface="Amasis MT Pro" panose="02040504050005020304" pitchFamily="18" charset="0"/>
               </a:rPr>
               <a:t>Sh</a:t>
             </a:r>
             <a:r>
+              <a:rPr lang="en-US" sz="3600" b="1" dirty="0">
+                <a:solidFill>
+                  <a:srgbClr val="4D7000"/>
+                </a:solidFill>
+                <a:latin typeface="Amasis MT Pro" panose="02040504050005020304" pitchFamily="18" charset="0"/>
+              </a:rPr>
+              <a:t>” to “S” </a:t>
+            </a:r>
+            <a:r>
               <a:rPr lang="en-US" sz="3600" dirty="0">
                 <a:solidFill>
                   <a:schemeClr val="tx1">
@@ -6127,7 +6364,7 @@
                 </a:solidFill>
                 <a:latin typeface="Amasis MT Pro" panose="02040504050005020304" pitchFamily="18" charset="0"/>
               </a:rPr>
-              <a:t>” to “S” (</a:t>
+              <a:t>(</a:t>
             </a:r>
             <a:r>
               <a:rPr lang="en-US" sz="3600" i="1" dirty="0">
@@ -6151,7 +6388,39 @@
                 </a:solidFill>
                 <a:latin typeface="Amasis MT Pro" panose="02040504050005020304" pitchFamily="18" charset="0"/>
               </a:rPr>
-              <a:t>). Each trial will only play a recording from a single voice at once. Participants will select if the audio they heard was “asi” or “ashi” for each trial to produce results like the predictions, shown to the left. </a:t>
+              <a:t>). Each trial will only play a recording from a single voice at once. Participants will </a:t>
+            </a:r>
+            <a:r>
+              <a:rPr lang="en-US" sz="3600" dirty="0">
+                <a:solidFill>
+                  <a:schemeClr val="bg2">
+                    <a:lumMod val="25000"/>
+                  </a:schemeClr>
+                </a:solidFill>
+                <a:latin typeface="Amasis MT Pro" panose="02040504050005020304" pitchFamily="18" charset="0"/>
+              </a:rPr>
+              <a:t>select if the audio they heard was “asi” or “ashi”</a:t>
+            </a:r>
+            <a:r>
+              <a:rPr lang="en-US" sz="3600" b="1" dirty="0">
+                <a:solidFill>
+                  <a:srgbClr val="4D7000"/>
+                </a:solidFill>
+                <a:latin typeface="Amasis MT Pro" panose="02040504050005020304" pitchFamily="18" charset="0"/>
+              </a:rPr>
+              <a:t> </a:t>
+            </a:r>
+            <a:r>
+              <a:rPr lang="en-US" sz="3600" dirty="0">
+                <a:solidFill>
+                  <a:schemeClr val="tx1">
+                    <a:lumMod val="85000"/>
+                    <a:lumOff val="15000"/>
+                  </a:schemeClr>
+                </a:solidFill>
+                <a:latin typeface="Amasis MT Pro" panose="02040504050005020304" pitchFamily="18" charset="0"/>
+              </a:rPr>
+              <a:t>for each trial to produce results like the predictions, shown to the left. </a:t>
             </a:r>
           </a:p>
         </p:txBody>
@@ -6455,8 +6724,8 @@
         </p:nvSpPr>
         <p:spPr>
           <a:xfrm>
-            <a:off x="37245282" y="27784908"/>
-            <a:ext cx="10953936" cy="811521"/>
+            <a:off x="37245282" y="27794049"/>
+            <a:ext cx="10953936" cy="821293"/>
           </a:xfrm>
           <a:prstGeom prst="roundRect">
             <a:avLst/>
@@ -6524,7 +6793,7 @@
         </p:nvSpPr>
         <p:spPr>
           <a:xfrm>
-            <a:off x="37245282" y="30693032"/>
+            <a:off x="37245282" y="30587667"/>
             <a:ext cx="8583002" cy="1477328"/>
           </a:xfrm>
           <a:prstGeom prst="rect">
@@ -6592,7 +6861,7 @@
         </p:nvSpPr>
         <p:spPr>
           <a:xfrm>
-            <a:off x="37245282" y="28658679"/>
+            <a:off x="37245282" y="28555498"/>
             <a:ext cx="10970904" cy="2000548"/>
           </a:xfrm>
           <a:prstGeom prst="rect">
@@ -7149,7 +7418,7 @@
         </p:nvSpPr>
         <p:spPr>
           <a:xfrm>
-            <a:off x="795700" y="26385556"/>
+            <a:off x="797821" y="26319612"/>
             <a:ext cx="15252299" cy="1815882"/>
           </a:xfrm>
           <a:prstGeom prst="rect">
@@ -7282,7 +7551,7 @@
         </p:nvSpPr>
         <p:spPr>
           <a:xfrm>
-            <a:off x="41404968" y="23099129"/>
+            <a:off x="41404968" y="23035212"/>
             <a:ext cx="6814551" cy="1384995"/>
           </a:xfrm>
           <a:prstGeom prst="rect">
@@ -7358,7 +7627,7 @@
         </p:nvSpPr>
         <p:spPr>
           <a:xfrm>
-            <a:off x="37711749" y="26602087"/>
+            <a:off x="37669162" y="26604826"/>
             <a:ext cx="10487469" cy="954107"/>
           </a:xfrm>
           <a:prstGeom prst="rect">
@@ -7410,13 +7679,13 @@
         </p:nvPicPr>
         <p:blipFill rotWithShape="1">
           <a:blip r:embed="rId10"/>
-          <a:srcRect b="7236"/>
+          <a:srcRect l="1341" r="1366" b="7236"/>
           <a:stretch/>
         </p:blipFill>
         <p:spPr>
           <a:xfrm>
-            <a:off x="2834036" y="15587990"/>
-            <a:ext cx="11300888" cy="5104893"/>
+            <a:off x="2919912" y="15696429"/>
+            <a:ext cx="10994834" cy="5104893"/>
           </a:xfrm>
           <a:prstGeom prst="rect">
             <a:avLst/>
@@ -7437,16 +7706,15 @@
           </p:cNvPicPr>
           <p:nvPr/>
         </p:nvPicPr>
-        <p:blipFill>
+        <p:blipFill rotWithShape="1">
           <a:blip r:embed="rId11"/>
-          <a:stretch>
-            <a:fillRect/>
-          </a:stretch>
+          <a:srcRect l="913" r="722"/>
+          <a:stretch/>
         </p:blipFill>
         <p:spPr>
           <a:xfrm>
-            <a:off x="2882423" y="20656381"/>
-            <a:ext cx="11300888" cy="5749229"/>
+            <a:off x="2898272" y="20880291"/>
+            <a:ext cx="10994834" cy="5476261"/>
           </a:xfrm>
           <a:prstGeom prst="rect">
             <a:avLst/>
